--- a/docs/docs-src/wordslab-notebooks-architecture.pptx
+++ b/docs/docs-src/wordslab-notebooks-architecture.pptx
@@ -913,7 +913,7 @@
           <a:p>
             <a:fld id="{5D1AF5DF-F9CE-48E9-9B08-50E65CE8DFD8}" type="datetimeFigureOut">
               <a:rPr lang="fr-FR" smtClean="0"/>
-              <a:t>21/04/2025</a:t>
+              <a:t>10/12/2025</a:t>
             </a:fld>
             <a:endParaRPr lang="fr-FR"/>
           </a:p>
@@ -1327,7 +1327,7 @@
           <a:p>
             <a:fld id="{4290C79D-B00B-41B5-A9A4-6F9BDD351292}" type="datetimeFigureOut">
               <a:rPr lang="fr-FR" smtClean="0"/>
-              <a:t>21/04/2025</a:t>
+              <a:t>10/12/2025</a:t>
             </a:fld>
             <a:endParaRPr lang="fr-FR"/>
           </a:p>
@@ -1525,7 +1525,7 @@
           <a:p>
             <a:fld id="{4290C79D-B00B-41B5-A9A4-6F9BDD351292}" type="datetimeFigureOut">
               <a:rPr lang="fr-FR" smtClean="0"/>
-              <a:t>21/04/2025</a:t>
+              <a:t>10/12/2025</a:t>
             </a:fld>
             <a:endParaRPr lang="fr-FR"/>
           </a:p>
@@ -1733,7 +1733,7 @@
           <a:p>
             <a:fld id="{4290C79D-B00B-41B5-A9A4-6F9BDD351292}" type="datetimeFigureOut">
               <a:rPr lang="fr-FR" smtClean="0"/>
-              <a:t>21/04/2025</a:t>
+              <a:t>10/12/2025</a:t>
             </a:fld>
             <a:endParaRPr lang="fr-FR"/>
           </a:p>
@@ -1931,7 +1931,7 @@
           <a:p>
             <a:fld id="{4290C79D-B00B-41B5-A9A4-6F9BDD351292}" type="datetimeFigureOut">
               <a:rPr lang="fr-FR" smtClean="0"/>
-              <a:t>21/04/2025</a:t>
+              <a:t>10/12/2025</a:t>
             </a:fld>
             <a:endParaRPr lang="fr-FR"/>
           </a:p>
@@ -2206,7 +2206,7 @@
           <a:p>
             <a:fld id="{4290C79D-B00B-41B5-A9A4-6F9BDD351292}" type="datetimeFigureOut">
               <a:rPr lang="fr-FR" smtClean="0"/>
-              <a:t>21/04/2025</a:t>
+              <a:t>10/12/2025</a:t>
             </a:fld>
             <a:endParaRPr lang="fr-FR"/>
           </a:p>
@@ -2471,7 +2471,7 @@
           <a:p>
             <a:fld id="{4290C79D-B00B-41B5-A9A4-6F9BDD351292}" type="datetimeFigureOut">
               <a:rPr lang="fr-FR" smtClean="0"/>
-              <a:t>21/04/2025</a:t>
+              <a:t>10/12/2025</a:t>
             </a:fld>
             <a:endParaRPr lang="fr-FR"/>
           </a:p>
@@ -2883,7 +2883,7 @@
           <a:p>
             <a:fld id="{4290C79D-B00B-41B5-A9A4-6F9BDD351292}" type="datetimeFigureOut">
               <a:rPr lang="fr-FR" smtClean="0"/>
-              <a:t>21/04/2025</a:t>
+              <a:t>10/12/2025</a:t>
             </a:fld>
             <a:endParaRPr lang="fr-FR"/>
           </a:p>
@@ -3024,7 +3024,7 @@
           <a:p>
             <a:fld id="{4290C79D-B00B-41B5-A9A4-6F9BDD351292}" type="datetimeFigureOut">
               <a:rPr lang="fr-FR" smtClean="0"/>
-              <a:t>21/04/2025</a:t>
+              <a:t>10/12/2025</a:t>
             </a:fld>
             <a:endParaRPr lang="fr-FR"/>
           </a:p>
@@ -3137,7 +3137,7 @@
           <a:p>
             <a:fld id="{4290C79D-B00B-41B5-A9A4-6F9BDD351292}" type="datetimeFigureOut">
               <a:rPr lang="fr-FR" smtClean="0"/>
-              <a:t>21/04/2025</a:t>
+              <a:t>10/12/2025</a:t>
             </a:fld>
             <a:endParaRPr lang="fr-FR"/>
           </a:p>
@@ -3448,7 +3448,7 @@
           <a:p>
             <a:fld id="{4290C79D-B00B-41B5-A9A4-6F9BDD351292}" type="datetimeFigureOut">
               <a:rPr lang="fr-FR" smtClean="0"/>
-              <a:t>21/04/2025</a:t>
+              <a:t>10/12/2025</a:t>
             </a:fld>
             <a:endParaRPr lang="fr-FR"/>
           </a:p>
@@ -3736,7 +3736,7 @@
           <a:p>
             <a:fld id="{4290C79D-B00B-41B5-A9A4-6F9BDD351292}" type="datetimeFigureOut">
               <a:rPr lang="fr-FR" smtClean="0"/>
-              <a:t>21/04/2025</a:t>
+              <a:t>10/12/2025</a:t>
             </a:fld>
             <a:endParaRPr lang="fr-FR"/>
           </a:p>
@@ -3977,7 +3977,7 @@
           <a:p>
             <a:fld id="{4290C79D-B00B-41B5-A9A4-6F9BDD351292}" type="datetimeFigureOut">
               <a:rPr lang="fr-FR" smtClean="0"/>
-              <a:t>21/04/2025</a:t>
+              <a:t>10/12/2025</a:t>
             </a:fld>
             <a:endParaRPr lang="fr-FR"/>
           </a:p>
@@ -6163,7 +6163,7 @@
                   <a:schemeClr val="tx1"/>
                 </a:solidFill>
               </a:rPr>
-              <a:t> Continue and Aider AI assistants</a:t>
+              <a:t> Continue and Cline AI assistants</a:t>
             </a:r>
             <a:endParaRPr lang="fr-FR" sz="1100" dirty="0">
               <a:solidFill>
@@ -7111,10 +7111,10 @@
       </p:sp>
       <p:pic>
         <p:nvPicPr>
-          <p:cNvPr id="27" name="Image 26">
-            <a:extLst>
-              <a:ext uri="{FF2B5EF4-FFF2-40B4-BE49-F238E27FC236}">
-                <a16:creationId xmlns:a16="http://schemas.microsoft.com/office/drawing/2014/main" id="{17530678-7ED4-6982-2E3C-F77B76BF4E8B}"/>
+          <p:cNvPr id="32" name="Image 31">
+            <a:extLst>
+              <a:ext uri="{FF2B5EF4-FFF2-40B4-BE49-F238E27FC236}">
+                <a16:creationId xmlns:a16="http://schemas.microsoft.com/office/drawing/2014/main" id="{46E7E616-4F2D-F456-0D58-3A0B9D581A9F}"/>
               </a:ext>
             </a:extLst>
           </p:cNvPr>
@@ -7131,8 +7131,8 @@
         </p:blipFill>
         <p:spPr>
           <a:xfrm>
-            <a:off x="10155149" y="1971806"/>
-            <a:ext cx="1193815" cy="504847"/>
+            <a:off x="483861" y="2785354"/>
+            <a:ext cx="3497292" cy="3059776"/>
           </a:xfrm>
           <a:prstGeom prst="rect">
             <a:avLst/>
@@ -7141,10 +7141,10 @@
       </p:pic>
       <p:pic>
         <p:nvPicPr>
-          <p:cNvPr id="32" name="Image 31">
-            <a:extLst>
-              <a:ext uri="{FF2B5EF4-FFF2-40B4-BE49-F238E27FC236}">
-                <a16:creationId xmlns:a16="http://schemas.microsoft.com/office/drawing/2014/main" id="{46E7E616-4F2D-F456-0D58-3A0B9D581A9F}"/>
+          <p:cNvPr id="34" name="Image 33">
+            <a:extLst>
+              <a:ext uri="{FF2B5EF4-FFF2-40B4-BE49-F238E27FC236}">
+                <a16:creationId xmlns:a16="http://schemas.microsoft.com/office/drawing/2014/main" id="{F2DF9DAD-48C1-D76D-C410-C2EFEC9FF724}"/>
               </a:ext>
             </a:extLst>
           </p:cNvPr>
@@ -7161,8 +7161,8 @@
         </p:blipFill>
         <p:spPr>
           <a:xfrm>
-            <a:off x="483861" y="2785354"/>
-            <a:ext cx="3497292" cy="3059776"/>
+            <a:off x="4348808" y="2782155"/>
+            <a:ext cx="3498549" cy="3062975"/>
           </a:xfrm>
           <a:prstGeom prst="rect">
             <a:avLst/>
@@ -7171,10 +7171,10 @@
       </p:pic>
       <p:pic>
         <p:nvPicPr>
-          <p:cNvPr id="34" name="Image 33">
-            <a:extLst>
-              <a:ext uri="{FF2B5EF4-FFF2-40B4-BE49-F238E27FC236}">
-                <a16:creationId xmlns:a16="http://schemas.microsoft.com/office/drawing/2014/main" id="{F2DF9DAD-48C1-D76D-C410-C2EFEC9FF724}"/>
+          <p:cNvPr id="36" name="Image 35">
+            <a:extLst>
+              <a:ext uri="{FF2B5EF4-FFF2-40B4-BE49-F238E27FC236}">
+                <a16:creationId xmlns:a16="http://schemas.microsoft.com/office/drawing/2014/main" id="{1E5BB9BC-05B6-ED7E-4F46-9956A3E989F5}"/>
               </a:ext>
             </a:extLst>
           </p:cNvPr>
@@ -7191,8 +7191,8 @@
         </p:blipFill>
         <p:spPr>
           <a:xfrm>
-            <a:off x="4348808" y="2782155"/>
-            <a:ext cx="3498549" cy="3062975"/>
+            <a:off x="8202048" y="2789258"/>
+            <a:ext cx="3473721" cy="3055871"/>
           </a:xfrm>
           <a:prstGeom prst="rect">
             <a:avLst/>
@@ -7201,10 +7201,10 @@
       </p:pic>
       <p:pic>
         <p:nvPicPr>
-          <p:cNvPr id="36" name="Image 35">
-            <a:extLst>
-              <a:ext uri="{FF2B5EF4-FFF2-40B4-BE49-F238E27FC236}">
-                <a16:creationId xmlns:a16="http://schemas.microsoft.com/office/drawing/2014/main" id="{1E5BB9BC-05B6-ED7E-4F46-9956A3E989F5}"/>
+          <p:cNvPr id="3" name="Image 2" descr="Une image contenant logo, Police, Graphique, blanc&#10;&#10;Le contenu généré par l’IA peut être incorrect.">
+            <a:extLst>
+              <a:ext uri="{FF2B5EF4-FFF2-40B4-BE49-F238E27FC236}">
+                <a16:creationId xmlns:a16="http://schemas.microsoft.com/office/drawing/2014/main" id="{D8D59F01-F16D-C034-163F-95C41BB1CC97}"/>
               </a:ext>
             </a:extLst>
           </p:cNvPr>
@@ -7221,8 +7221,8 @@
         </p:blipFill>
         <p:spPr>
           <a:xfrm>
-            <a:off x="8202048" y="2789258"/>
-            <a:ext cx="3473721" cy="3055871"/>
+            <a:off x="10098406" y="1949905"/>
+            <a:ext cx="1269641" cy="542939"/>
           </a:xfrm>
           <a:prstGeom prst="rect">
             <a:avLst/>

--- a/docs/docs-src/wordslab-notebooks-architecture.pptx
+++ b/docs/docs-src/wordslab-notebooks-architecture.pptx
@@ -120,7 +120,7 @@
 <file path=ppt/revisionInfo.xml><?xml version="1.0" encoding="utf-8"?>
 <p1510:revInfo xmlns:a="http://schemas.openxmlformats.org/drawingml/2006/main" xmlns:r="http://schemas.openxmlformats.org/officeDocument/2006/relationships" xmlns:p1510="http://schemas.microsoft.com/office/powerpoint/2015/10/main">
   <p1510:revLst>
-    <p1510:client id="{D186AFD6-EC45-4A35-A175-1C5AFD7E065C}" v="215" dt="2025-04-21T16:19:28.550"/>
+    <p1510:client id="{21B7114C-3452-418C-815B-C21C512AE188}" v="3" dt="2026-01-17T23:04:22.186"/>
   </p1510:revLst>
 </p1510:revInfo>
 </file>
@@ -128,701 +128,79 @@
 <file path=ppt/changesInfos/changesInfo1.xml><?xml version="1.0" encoding="utf-8"?>
 <pc:chgInfo xmlns:a="http://schemas.openxmlformats.org/drawingml/2006/main" xmlns:r="http://schemas.openxmlformats.org/officeDocument/2006/relationships" xmlns:ac="http://schemas.microsoft.com/office/drawing/2013/main/command" xmlns:pc="http://schemas.microsoft.com/office/powerpoint/2013/main/command">
   <pc:docChgLst>
-    <pc:chgData name="Laurent Prud'hon" userId="196f0b5afced95ca" providerId="LiveId" clId="{11650DDC-942F-46C6-A92B-2B29F2E655C6}"/>
+    <pc:chgData name="Laurent Prud'hon" userId="196f0b5afced95ca" providerId="LiveId" clId="{6C862CB0-5B02-4476-9994-B0DDF126017D}"/>
     <pc:docChg chg="undo custSel modSld">
-      <pc:chgData name="Laurent Prud'hon" userId="196f0b5afced95ca" providerId="LiveId" clId="{11650DDC-942F-46C6-A92B-2B29F2E655C6}" dt="2024-10-07T19:45:07.462" v="497" actId="1037"/>
+      <pc:chgData name="Laurent Prud'hon" userId="196f0b5afced95ca" providerId="LiveId" clId="{6C862CB0-5B02-4476-9994-B0DDF126017D}" dt="2026-01-17T23:03:49.531" v="52" actId="1036"/>
       <pc:docMkLst>
         <pc:docMk/>
       </pc:docMkLst>
-      <pc:sldChg chg="addSp delSp modSp mod">
-        <pc:chgData name="Laurent Prud'hon" userId="196f0b5afced95ca" providerId="LiveId" clId="{11650DDC-942F-46C6-A92B-2B29F2E655C6}" dt="2024-10-07T19:45:07.462" v="497" actId="1037"/>
+      <pc:sldChg chg="modSp mod">
+        <pc:chgData name="Laurent Prud'hon" userId="196f0b5afced95ca" providerId="LiveId" clId="{6C862CB0-5B02-4476-9994-B0DDF126017D}" dt="2026-01-17T23:01:55.983" v="29" actId="20577"/>
         <pc:sldMkLst>
           <pc:docMk/>
           <pc:sldMk cId="3440080101" sldId="256"/>
         </pc:sldMkLst>
-      </pc:sldChg>
-    </pc:docChg>
-  </pc:docChgLst>
-  <pc:docChgLst>
-    <pc:chgData name="Laurent Prud'hon" userId="196f0b5afced95ca" providerId="LiveId" clId="{D186AFD6-EC45-4A35-A175-1C5AFD7E065C}"/>
-    <pc:docChg chg="undo redo custSel addSld delSld modSld sldOrd">
-      <pc:chgData name="Laurent Prud'hon" userId="196f0b5afced95ca" providerId="LiveId" clId="{D186AFD6-EC45-4A35-A175-1C5AFD7E065C}" dt="2025-04-21T16:36:58.219" v="1716" actId="1038"/>
-      <pc:docMkLst>
-        <pc:docMk/>
-      </pc:docMkLst>
-      <pc:sldChg chg="add del">
-        <pc:chgData name="Laurent Prud'hon" userId="196f0b5afced95ca" providerId="LiveId" clId="{D186AFD6-EC45-4A35-A175-1C5AFD7E065C}" dt="2025-04-21T13:49:12.737" v="2" actId="47"/>
-        <pc:sldMkLst>
-          <pc:docMk/>
-          <pc:sldMk cId="3440080101" sldId="256"/>
-        </pc:sldMkLst>
-      </pc:sldChg>
-      <pc:sldChg chg="addSp delSp modSp add del mod ord">
-        <pc:chgData name="Laurent Prud'hon" userId="196f0b5afced95ca" providerId="LiveId" clId="{D186AFD6-EC45-4A35-A175-1C5AFD7E065C}" dt="2025-04-21T16:11:47.784" v="1391"/>
-        <pc:sldMkLst>
-          <pc:docMk/>
-          <pc:sldMk cId="2231185851" sldId="257"/>
-        </pc:sldMkLst>
-        <pc:spChg chg="add mod">
-          <ac:chgData name="Laurent Prud'hon" userId="196f0b5afced95ca" providerId="LiveId" clId="{D186AFD6-EC45-4A35-A175-1C5AFD7E065C}" dt="2025-04-21T14:30:21.784" v="772" actId="1076"/>
+        <pc:spChg chg="mod">
+          <ac:chgData name="Laurent Prud'hon" userId="196f0b5afced95ca" providerId="LiveId" clId="{6C862CB0-5B02-4476-9994-B0DDF126017D}" dt="2026-01-17T23:01:55.983" v="29" actId="20577"/>
           <ac:spMkLst>
             <pc:docMk/>
-            <pc:sldMk cId="2231185851" sldId="257"/>
-            <ac:spMk id="2" creationId="{C4C1D142-57E6-B267-55EB-A78A2EEC8B84}"/>
-          </ac:spMkLst>
-        </pc:spChg>
-        <pc:spChg chg="add mod">
-          <ac:chgData name="Laurent Prud'hon" userId="196f0b5afced95ca" providerId="LiveId" clId="{D186AFD6-EC45-4A35-A175-1C5AFD7E065C}" dt="2025-04-21T14:47:54.208" v="1324" actId="1036"/>
-          <ac:spMkLst>
-            <pc:docMk/>
-            <pc:sldMk cId="2231185851" sldId="257"/>
-            <ac:spMk id="3" creationId="{F32324E9-5124-A2AF-2A5B-9C8C3169D6E1}"/>
+            <pc:sldMk cId="3440080101" sldId="256"/>
+            <ac:spMk id="18" creationId="{56222F77-DB9A-124B-8779-9B2FF5D8CFBD}"/>
           </ac:spMkLst>
         </pc:spChg>
         <pc:spChg chg="mod">
-          <ac:chgData name="Laurent Prud'hon" userId="196f0b5afced95ca" providerId="LiveId" clId="{D186AFD6-EC45-4A35-A175-1C5AFD7E065C}" dt="2025-04-21T14:17:01.654" v="467" actId="1036"/>
+          <ac:chgData name="Laurent Prud'hon" userId="196f0b5afced95ca" providerId="LiveId" clId="{6C862CB0-5B02-4476-9994-B0DDF126017D}" dt="2026-01-17T23:01:53.692" v="27" actId="20577"/>
           <ac:spMkLst>
             <pc:docMk/>
-            <pc:sldMk cId="2231185851" sldId="257"/>
-            <ac:spMk id="4" creationId="{B0C652B2-118A-E106-3996-535B1A38DE85}"/>
+            <pc:sldMk cId="3440080101" sldId="256"/>
+            <ac:spMk id="20" creationId="{5874D57F-1EF3-3EC6-98C3-3FC396E963A5}"/>
           </ac:spMkLst>
         </pc:spChg>
-        <pc:spChg chg="mod">
-          <ac:chgData name="Laurent Prud'hon" userId="196f0b5afced95ca" providerId="LiveId" clId="{D186AFD6-EC45-4A35-A175-1C5AFD7E065C}" dt="2025-04-21T14:47:54.208" v="1324" actId="1036"/>
-          <ac:spMkLst>
-            <pc:docMk/>
-            <pc:sldMk cId="2231185851" sldId="257"/>
-            <ac:spMk id="5" creationId="{6FDE323A-932B-ED96-6B16-104891111982}"/>
-          </ac:spMkLst>
-        </pc:spChg>
-        <pc:spChg chg="del mod">
-          <ac:chgData name="Laurent Prud'hon" userId="196f0b5afced95ca" providerId="LiveId" clId="{D186AFD6-EC45-4A35-A175-1C5AFD7E065C}" dt="2025-04-21T13:59:17.891" v="54" actId="478"/>
-          <ac:spMkLst>
-            <pc:docMk/>
-            <pc:sldMk cId="2231185851" sldId="257"/>
-            <ac:spMk id="6" creationId="{A90BD278-CAAB-BE40-72F1-15F826F56263}"/>
-          </ac:spMkLst>
-        </pc:spChg>
-        <pc:spChg chg="mod">
-          <ac:chgData name="Laurent Prud'hon" userId="196f0b5afced95ca" providerId="LiveId" clId="{D186AFD6-EC45-4A35-A175-1C5AFD7E065C}" dt="2025-04-21T14:47:54.208" v="1324" actId="1036"/>
-          <ac:spMkLst>
-            <pc:docMk/>
-            <pc:sldMk cId="2231185851" sldId="257"/>
-            <ac:spMk id="7" creationId="{4B67A27F-47E5-FFD5-5841-73D2D1EC9111}"/>
-          </ac:spMkLst>
-        </pc:spChg>
-        <pc:spChg chg="mod">
-          <ac:chgData name="Laurent Prud'hon" userId="196f0b5afced95ca" providerId="LiveId" clId="{D186AFD6-EC45-4A35-A175-1C5AFD7E065C}" dt="2025-04-21T14:47:54.208" v="1324" actId="1036"/>
-          <ac:spMkLst>
-            <pc:docMk/>
-            <pc:sldMk cId="2231185851" sldId="257"/>
-            <ac:spMk id="8" creationId="{DBE80A3D-ABDE-6EF6-E004-8D26A75D6FE0}"/>
-          </ac:spMkLst>
-        </pc:spChg>
-        <pc:spChg chg="mod">
-          <ac:chgData name="Laurent Prud'hon" userId="196f0b5afced95ca" providerId="LiveId" clId="{D186AFD6-EC45-4A35-A175-1C5AFD7E065C}" dt="2025-04-21T14:25:04.754" v="656" actId="1035"/>
-          <ac:spMkLst>
-            <pc:docMk/>
-            <pc:sldMk cId="2231185851" sldId="257"/>
-            <ac:spMk id="9" creationId="{B2E90EEA-66B3-7962-7D6A-952B9EFE074C}"/>
-          </ac:spMkLst>
-        </pc:spChg>
-        <pc:spChg chg="add del">
-          <ac:chgData name="Laurent Prud'hon" userId="196f0b5afced95ca" providerId="LiveId" clId="{D186AFD6-EC45-4A35-A175-1C5AFD7E065C}" dt="2025-04-21T13:53:13.776" v="20" actId="478"/>
-          <ac:spMkLst>
-            <pc:docMk/>
-            <pc:sldMk cId="2231185851" sldId="257"/>
-            <ac:spMk id="10" creationId="{0BC9629C-9C3C-A140-39F3-254DEC574F14}"/>
-          </ac:spMkLst>
-        </pc:spChg>
-        <pc:spChg chg="del mod">
-          <ac:chgData name="Laurent Prud'hon" userId="196f0b5afced95ca" providerId="LiveId" clId="{D186AFD6-EC45-4A35-A175-1C5AFD7E065C}" dt="2025-04-21T14:11:10.508" v="327" actId="478"/>
-          <ac:spMkLst>
-            <pc:docMk/>
-            <pc:sldMk cId="2231185851" sldId="257"/>
-            <ac:spMk id="11" creationId="{6EF266D3-013A-B624-705F-87C381F9575D}"/>
-          </ac:spMkLst>
-        </pc:spChg>
-        <pc:spChg chg="del mod">
-          <ac:chgData name="Laurent Prud'hon" userId="196f0b5afced95ca" providerId="LiveId" clId="{D186AFD6-EC45-4A35-A175-1C5AFD7E065C}" dt="2025-04-21T14:11:12.377" v="328" actId="478"/>
-          <ac:spMkLst>
-            <pc:docMk/>
-            <pc:sldMk cId="2231185851" sldId="257"/>
-            <ac:spMk id="14" creationId="{7C3C6777-AF2A-DEA8-2881-E04FA9F9921F}"/>
-          </ac:spMkLst>
-        </pc:spChg>
-        <pc:spChg chg="mod">
-          <ac:chgData name="Laurent Prud'hon" userId="196f0b5afced95ca" providerId="LiveId" clId="{D186AFD6-EC45-4A35-A175-1C5AFD7E065C}" dt="2025-04-21T14:30:10.977" v="771" actId="1037"/>
-          <ac:spMkLst>
-            <pc:docMk/>
-            <pc:sldMk cId="2231185851" sldId="257"/>
-            <ac:spMk id="15" creationId="{08BFF43F-CE82-8A8B-9B2E-0A44BB2FE7B6}"/>
-          </ac:spMkLst>
-        </pc:spChg>
-        <pc:spChg chg="add mod">
-          <ac:chgData name="Laurent Prud'hon" userId="196f0b5afced95ca" providerId="LiveId" clId="{D186AFD6-EC45-4A35-A175-1C5AFD7E065C}" dt="2025-04-21T14:48:41.039" v="1348" actId="20577"/>
-          <ac:spMkLst>
-            <pc:docMk/>
-            <pc:sldMk cId="2231185851" sldId="257"/>
-            <ac:spMk id="16" creationId="{04C3EAE6-0F96-49BE-C989-5180080EA8DD}"/>
-          </ac:spMkLst>
-        </pc:spChg>
-        <pc:spChg chg="add del">
-          <ac:chgData name="Laurent Prud'hon" userId="196f0b5afced95ca" providerId="LiveId" clId="{D186AFD6-EC45-4A35-A175-1C5AFD7E065C}" dt="2025-04-21T13:53:13.802" v="21" actId="478"/>
-          <ac:spMkLst>
-            <pc:docMk/>
-            <pc:sldMk cId="2231185851" sldId="257"/>
-            <ac:spMk id="17" creationId="{B939BBEB-C71A-4A20-5374-09DFDCD50A47}"/>
-          </ac:spMkLst>
-        </pc:spChg>
-        <pc:spChg chg="add del">
-          <ac:chgData name="Laurent Prud'hon" userId="196f0b5afced95ca" providerId="LiveId" clId="{D186AFD6-EC45-4A35-A175-1C5AFD7E065C}" dt="2025-04-21T13:53:13.802" v="21" actId="478"/>
-          <ac:spMkLst>
-            <pc:docMk/>
-            <pc:sldMk cId="2231185851" sldId="257"/>
-            <ac:spMk id="18" creationId="{A9CDB2D2-0808-B7D8-4832-522C09B6C081}"/>
-          </ac:spMkLst>
-        </pc:spChg>
-        <pc:spChg chg="add del">
-          <ac:chgData name="Laurent Prud'hon" userId="196f0b5afced95ca" providerId="LiveId" clId="{D186AFD6-EC45-4A35-A175-1C5AFD7E065C}" dt="2025-04-21T13:53:13.802" v="21" actId="478"/>
-          <ac:spMkLst>
-            <pc:docMk/>
-            <pc:sldMk cId="2231185851" sldId="257"/>
-            <ac:spMk id="19" creationId="{6912628F-60AB-A08E-240A-B194290A017A}"/>
-          </ac:spMkLst>
-        </pc:spChg>
-        <pc:spChg chg="add del">
-          <ac:chgData name="Laurent Prud'hon" userId="196f0b5afced95ca" providerId="LiveId" clId="{D186AFD6-EC45-4A35-A175-1C5AFD7E065C}" dt="2025-04-21T13:53:13.802" v="21" actId="478"/>
-          <ac:spMkLst>
-            <pc:docMk/>
-            <pc:sldMk cId="2231185851" sldId="257"/>
-            <ac:spMk id="20" creationId="{087F416E-51DE-4F75-52F0-18CAD4794CB8}"/>
-          </ac:spMkLst>
-        </pc:spChg>
-        <pc:spChg chg="add del mod">
-          <ac:chgData name="Laurent Prud'hon" userId="196f0b5afced95ca" providerId="LiveId" clId="{D186AFD6-EC45-4A35-A175-1C5AFD7E065C}" dt="2025-04-21T14:48:19.960" v="1347" actId="6549"/>
-          <ac:spMkLst>
-            <pc:docMk/>
-            <pc:sldMk cId="2231185851" sldId="257"/>
-            <ac:spMk id="21" creationId="{466FF88A-CB9B-4660-83DA-BAEB603C1892}"/>
-          </ac:spMkLst>
-        </pc:spChg>
-        <pc:spChg chg="add del mod">
-          <ac:chgData name="Laurent Prud'hon" userId="196f0b5afced95ca" providerId="LiveId" clId="{D186AFD6-EC45-4A35-A175-1C5AFD7E065C}" dt="2025-04-21T14:47:54.208" v="1324" actId="1036"/>
-          <ac:spMkLst>
-            <pc:docMk/>
-            <pc:sldMk cId="2231185851" sldId="257"/>
-            <ac:spMk id="23" creationId="{9A85EFA2-FDBC-7CDA-4953-C0F9D6D2B796}"/>
-          </ac:spMkLst>
-        </pc:spChg>
-        <pc:spChg chg="add del mod">
-          <ac:chgData name="Laurent Prud'hon" userId="196f0b5afced95ca" providerId="LiveId" clId="{D186AFD6-EC45-4A35-A175-1C5AFD7E065C}" dt="2025-04-21T14:48:17.053" v="1346" actId="20577"/>
-          <ac:spMkLst>
-            <pc:docMk/>
-            <pc:sldMk cId="2231185851" sldId="257"/>
-            <ac:spMk id="24" creationId="{76BDD91A-6178-5EBD-4E95-7245709EE031}"/>
-          </ac:spMkLst>
-        </pc:spChg>
-        <pc:spChg chg="del">
-          <ac:chgData name="Laurent Prud'hon" userId="196f0b5afced95ca" providerId="LiveId" clId="{D186AFD6-EC45-4A35-A175-1C5AFD7E065C}" dt="2025-04-21T14:02:56.516" v="124" actId="478"/>
-          <ac:spMkLst>
-            <pc:docMk/>
-            <pc:sldMk cId="2231185851" sldId="257"/>
-            <ac:spMk id="25" creationId="{86B79806-7D0B-94BA-B324-D9D325D72384}"/>
-          </ac:spMkLst>
-        </pc:spChg>
-        <pc:spChg chg="del">
-          <ac:chgData name="Laurent Prud'hon" userId="196f0b5afced95ca" providerId="LiveId" clId="{D186AFD6-EC45-4A35-A175-1C5AFD7E065C}" dt="2025-04-21T14:02:57.899" v="125" actId="478"/>
-          <ac:spMkLst>
-            <pc:docMk/>
-            <pc:sldMk cId="2231185851" sldId="257"/>
-            <ac:spMk id="26" creationId="{DD303CCA-DFBB-48D5-9E42-57B203110C31}"/>
-          </ac:spMkLst>
-        </pc:spChg>
-        <pc:spChg chg="del">
-          <ac:chgData name="Laurent Prud'hon" userId="196f0b5afced95ca" providerId="LiveId" clId="{D186AFD6-EC45-4A35-A175-1C5AFD7E065C}" dt="2025-04-21T14:02:59.085" v="126" actId="478"/>
-          <ac:spMkLst>
-            <pc:docMk/>
-            <pc:sldMk cId="2231185851" sldId="257"/>
-            <ac:spMk id="27" creationId="{547AF860-EC72-F7F4-C1FC-45C31F150EDE}"/>
-          </ac:spMkLst>
-        </pc:spChg>
-        <pc:spChg chg="mod">
-          <ac:chgData name="Laurent Prud'hon" userId="196f0b5afced95ca" providerId="LiveId" clId="{D186AFD6-EC45-4A35-A175-1C5AFD7E065C}" dt="2025-04-21T14:47:54.208" v="1324" actId="1036"/>
-          <ac:spMkLst>
-            <pc:docMk/>
-            <pc:sldMk cId="2231185851" sldId="257"/>
-            <ac:spMk id="28" creationId="{D1481CB6-2DFD-936C-9C2A-805F456F9B0C}"/>
-          </ac:spMkLst>
-        </pc:spChg>
-        <pc:spChg chg="add del">
-          <ac:chgData name="Laurent Prud'hon" userId="196f0b5afced95ca" providerId="LiveId" clId="{D186AFD6-EC45-4A35-A175-1C5AFD7E065C}" dt="2025-04-21T13:53:13.835" v="22" actId="478"/>
-          <ac:spMkLst>
-            <pc:docMk/>
-            <pc:sldMk cId="2231185851" sldId="257"/>
-            <ac:spMk id="29" creationId="{DD30E7A8-3641-1FAA-EE83-0BC6BC3E3105}"/>
-          </ac:spMkLst>
-        </pc:spChg>
-        <pc:spChg chg="add mod">
-          <ac:chgData name="Laurent Prud'hon" userId="196f0b5afced95ca" providerId="LiveId" clId="{D186AFD6-EC45-4A35-A175-1C5AFD7E065C}" dt="2025-04-21T14:47:54.208" v="1324" actId="1036"/>
-          <ac:spMkLst>
-            <pc:docMk/>
-            <pc:sldMk cId="2231185851" sldId="257"/>
-            <ac:spMk id="30" creationId="{798526CC-EDF0-948E-F00D-A2CE91D9EE64}"/>
-          </ac:spMkLst>
-        </pc:spChg>
-        <pc:spChg chg="add mod">
-          <ac:chgData name="Laurent Prud'hon" userId="196f0b5afced95ca" providerId="LiveId" clId="{D186AFD6-EC45-4A35-A175-1C5AFD7E065C}" dt="2025-04-21T14:11:36.396" v="334" actId="1076"/>
-          <ac:spMkLst>
-            <pc:docMk/>
-            <pc:sldMk cId="2231185851" sldId="257"/>
-            <ac:spMk id="31" creationId="{34C7D596-6F9F-D73D-20A2-0DBC638F87F3}"/>
-          </ac:spMkLst>
-        </pc:spChg>
-        <pc:spChg chg="mod">
-          <ac:chgData name="Laurent Prud'hon" userId="196f0b5afced95ca" providerId="LiveId" clId="{D186AFD6-EC45-4A35-A175-1C5AFD7E065C}" dt="2025-04-21T14:30:21.784" v="772" actId="1076"/>
-          <ac:spMkLst>
-            <pc:docMk/>
-            <pc:sldMk cId="2231185851" sldId="257"/>
-            <ac:spMk id="32" creationId="{42DFA16D-98B6-6AFC-CEF2-7C0BD19E8786}"/>
-          </ac:spMkLst>
-        </pc:spChg>
-        <pc:spChg chg="add del">
-          <ac:chgData name="Laurent Prud'hon" userId="196f0b5afced95ca" providerId="LiveId" clId="{D186AFD6-EC45-4A35-A175-1C5AFD7E065C}" dt="2025-04-21T13:53:13.835" v="22" actId="478"/>
-          <ac:spMkLst>
-            <pc:docMk/>
-            <pc:sldMk cId="2231185851" sldId="257"/>
-            <ac:spMk id="33" creationId="{C6C7B571-E610-CC8F-BE6E-E22635CDD865}"/>
-          </ac:spMkLst>
-        </pc:spChg>
-        <pc:spChg chg="add mod">
-          <ac:chgData name="Laurent Prud'hon" userId="196f0b5afced95ca" providerId="LiveId" clId="{D186AFD6-EC45-4A35-A175-1C5AFD7E065C}" dt="2025-04-21T14:11:35.602" v="333" actId="1076"/>
-          <ac:spMkLst>
-            <pc:docMk/>
-            <pc:sldMk cId="2231185851" sldId="257"/>
-            <ac:spMk id="34" creationId="{8E143124-E40C-B49F-9308-F7CF992E500F}"/>
-          </ac:spMkLst>
-        </pc:spChg>
-        <pc:spChg chg="add del mod">
-          <ac:chgData name="Laurent Prud'hon" userId="196f0b5afced95ca" providerId="LiveId" clId="{D186AFD6-EC45-4A35-A175-1C5AFD7E065C}" dt="2025-04-21T14:12:19.637" v="341" actId="478"/>
-          <ac:spMkLst>
-            <pc:docMk/>
-            <pc:sldMk cId="2231185851" sldId="257"/>
-            <ac:spMk id="35" creationId="{400CF8D5-0B42-5C35-49E2-476296BB78B0}"/>
-          </ac:spMkLst>
-        </pc:spChg>
-        <pc:spChg chg="mod">
-          <ac:chgData name="Laurent Prud'hon" userId="196f0b5afced95ca" providerId="LiveId" clId="{D186AFD6-EC45-4A35-A175-1C5AFD7E065C}" dt="2025-04-21T14:47:54.208" v="1324" actId="1036"/>
-          <ac:spMkLst>
-            <pc:docMk/>
-            <pc:sldMk cId="2231185851" sldId="257"/>
-            <ac:spMk id="36" creationId="{D5F2AEAD-DC97-8FF2-E96E-34FEB4234116}"/>
-          </ac:spMkLst>
-        </pc:spChg>
-        <pc:spChg chg="add del">
-          <ac:chgData name="Laurent Prud'hon" userId="196f0b5afced95ca" providerId="LiveId" clId="{D186AFD6-EC45-4A35-A175-1C5AFD7E065C}" dt="2025-04-21T13:53:13.835" v="22" actId="478"/>
-          <ac:spMkLst>
-            <pc:docMk/>
-            <pc:sldMk cId="2231185851" sldId="257"/>
-            <ac:spMk id="37" creationId="{3942B6BA-9E3D-466D-3A57-EFA604E730CF}"/>
-          </ac:spMkLst>
-        </pc:spChg>
-        <pc:spChg chg="add del mod">
-          <ac:chgData name="Laurent Prud'hon" userId="196f0b5afced95ca" providerId="LiveId" clId="{D186AFD6-EC45-4A35-A175-1C5AFD7E065C}" dt="2025-04-21T14:12:21.353" v="342" actId="478"/>
-          <ac:spMkLst>
-            <pc:docMk/>
-            <pc:sldMk cId="2231185851" sldId="257"/>
-            <ac:spMk id="38" creationId="{4943A7B0-BB98-1C1C-846D-5EABF939C92D}"/>
-          </ac:spMkLst>
-        </pc:spChg>
-        <pc:spChg chg="add mod">
-          <ac:chgData name="Laurent Prud'hon" userId="196f0b5afced95ca" providerId="LiveId" clId="{D186AFD6-EC45-4A35-A175-1C5AFD7E065C}" dt="2025-04-21T14:30:10.977" v="771" actId="1037"/>
-          <ac:spMkLst>
-            <pc:docMk/>
-            <pc:sldMk cId="2231185851" sldId="257"/>
-            <ac:spMk id="40" creationId="{704FA16F-FAC7-8A0A-9BB1-1906B8A76BF1}"/>
-          </ac:spMkLst>
-        </pc:spChg>
-        <pc:spChg chg="add mod">
-          <ac:chgData name="Laurent Prud'hon" userId="196f0b5afced95ca" providerId="LiveId" clId="{D186AFD6-EC45-4A35-A175-1C5AFD7E065C}" dt="2025-04-21T14:47:54.208" v="1324" actId="1036"/>
-          <ac:spMkLst>
-            <pc:docMk/>
-            <pc:sldMk cId="2231185851" sldId="257"/>
-            <ac:spMk id="41" creationId="{834ABD22-5302-2F3C-3945-BDB5BE8E08FC}"/>
-          </ac:spMkLst>
-        </pc:spChg>
-        <pc:spChg chg="add mod">
-          <ac:chgData name="Laurent Prud'hon" userId="196f0b5afced95ca" providerId="LiveId" clId="{D186AFD6-EC45-4A35-A175-1C5AFD7E065C}" dt="2025-04-21T14:24:51.295" v="647" actId="14100"/>
-          <ac:spMkLst>
-            <pc:docMk/>
-            <pc:sldMk cId="2231185851" sldId="257"/>
-            <ac:spMk id="46" creationId="{391ABAA0-FDFC-9A05-93CE-2C1D682CCFF8}"/>
-          </ac:spMkLst>
-        </pc:spChg>
-        <pc:spChg chg="add mod">
-          <ac:chgData name="Laurent Prud'hon" userId="196f0b5afced95ca" providerId="LiveId" clId="{D186AFD6-EC45-4A35-A175-1C5AFD7E065C}" dt="2025-04-21T14:47:54.893" v="1335" actId="1076"/>
-          <ac:spMkLst>
-            <pc:docMk/>
-            <pc:sldMk cId="2231185851" sldId="257"/>
-            <ac:spMk id="47" creationId="{B73DC741-54DC-DA77-DF3A-2DC414DF9B75}"/>
-          </ac:spMkLst>
-        </pc:spChg>
-        <pc:spChg chg="add mod">
-          <ac:chgData name="Laurent Prud'hon" userId="196f0b5afced95ca" providerId="LiveId" clId="{D186AFD6-EC45-4A35-A175-1C5AFD7E065C}" dt="2025-04-21T14:47:54.893" v="1335" actId="1076"/>
-          <ac:spMkLst>
-            <pc:docMk/>
-            <pc:sldMk cId="2231185851" sldId="257"/>
-            <ac:spMk id="48" creationId="{EF929FC3-7F17-8562-1478-E478DDCF212F}"/>
-          </ac:spMkLst>
-        </pc:spChg>
-        <pc:spChg chg="add mod">
-          <ac:chgData name="Laurent Prud'hon" userId="196f0b5afced95ca" providerId="LiveId" clId="{D186AFD6-EC45-4A35-A175-1C5AFD7E065C}" dt="2025-04-21T14:47:54.705" v="1327" actId="20577"/>
-          <ac:spMkLst>
-            <pc:docMk/>
-            <pc:sldMk cId="2231185851" sldId="257"/>
-            <ac:spMk id="55" creationId="{A3CF55C6-D107-BF96-AE37-E2A9A8727B67}"/>
-          </ac:spMkLst>
-        </pc:spChg>
-        <pc:spChg chg="add mod">
-          <ac:chgData name="Laurent Prud'hon" userId="196f0b5afced95ca" providerId="LiveId" clId="{D186AFD6-EC45-4A35-A175-1C5AFD7E065C}" dt="2025-04-21T14:46:07.012" v="1210" actId="1076"/>
-          <ac:spMkLst>
-            <pc:docMk/>
-            <pc:sldMk cId="2231185851" sldId="257"/>
-            <ac:spMk id="56" creationId="{7E8D9FB1-D694-30FF-DB32-EC47894E9952}"/>
-          </ac:spMkLst>
-        </pc:spChg>
-        <pc:picChg chg="add mod">
-          <ac:chgData name="Laurent Prud'hon" userId="196f0b5afced95ca" providerId="LiveId" clId="{D186AFD6-EC45-4A35-A175-1C5AFD7E065C}" dt="2025-04-21T14:47:54.893" v="1335" actId="1076"/>
-          <ac:picMkLst>
-            <pc:docMk/>
-            <pc:sldMk cId="2231185851" sldId="257"/>
-            <ac:picMk id="13" creationId="{44FDFC5E-AF58-1C59-49F9-BDAA7A43E8F9}"/>
-          </ac:picMkLst>
-        </pc:picChg>
-        <pc:picChg chg="mod">
-          <ac:chgData name="Laurent Prud'hon" userId="196f0b5afced95ca" providerId="LiveId" clId="{D186AFD6-EC45-4A35-A175-1C5AFD7E065C}" dt="2025-04-21T14:30:21.784" v="772" actId="1076"/>
-          <ac:picMkLst>
-            <pc:docMk/>
-            <pc:sldMk cId="2231185851" sldId="257"/>
-            <ac:picMk id="39" creationId="{53ED17CD-1E88-8B33-4D47-C6D6EB4BC336}"/>
-          </ac:picMkLst>
-        </pc:picChg>
-        <pc:picChg chg="add mod ord">
-          <ac:chgData name="Laurent Prud'hon" userId="196f0b5afced95ca" providerId="LiveId" clId="{D186AFD6-EC45-4A35-A175-1C5AFD7E065C}" dt="2025-04-21T14:16:05.984" v="423" actId="1038"/>
-          <ac:picMkLst>
-            <pc:docMk/>
-            <pc:sldMk cId="2231185851" sldId="257"/>
-            <ac:picMk id="43" creationId="{9CE9EF99-6F24-5362-0C1B-97D4F57D6F2E}"/>
-          </ac:picMkLst>
-        </pc:picChg>
-        <pc:picChg chg="add mod">
-          <ac:chgData name="Laurent Prud'hon" userId="196f0b5afced95ca" providerId="LiveId" clId="{D186AFD6-EC45-4A35-A175-1C5AFD7E065C}" dt="2025-04-21T14:16:05.984" v="423" actId="1038"/>
-          <ac:picMkLst>
-            <pc:docMk/>
-            <pc:sldMk cId="2231185851" sldId="257"/>
-            <ac:picMk id="45" creationId="{B6192E28-E8E7-C737-40AD-D2BD831100CA}"/>
-          </ac:picMkLst>
-        </pc:picChg>
-        <pc:picChg chg="add mod">
-          <ac:chgData name="Laurent Prud'hon" userId="196f0b5afced95ca" providerId="LiveId" clId="{D186AFD6-EC45-4A35-A175-1C5AFD7E065C}" dt="2025-04-21T14:33:40.397" v="801" actId="1036"/>
-          <ac:picMkLst>
-            <pc:docMk/>
-            <pc:sldMk cId="2231185851" sldId="257"/>
-            <ac:picMk id="50" creationId="{54B9034F-864C-3E2A-FC24-862118CB4914}"/>
-          </ac:picMkLst>
-        </pc:picChg>
-        <pc:picChg chg="add mod">
-          <ac:chgData name="Laurent Prud'hon" userId="196f0b5afced95ca" providerId="LiveId" clId="{D186AFD6-EC45-4A35-A175-1C5AFD7E065C}" dt="2025-04-21T14:33:40.397" v="801" actId="1036"/>
-          <ac:picMkLst>
-            <pc:docMk/>
-            <pc:sldMk cId="2231185851" sldId="257"/>
-            <ac:picMk id="52" creationId="{5228B024-27B7-9531-1264-3E9BC3E023B2}"/>
-          </ac:picMkLst>
-        </pc:picChg>
-        <pc:picChg chg="add mod">
-          <ac:chgData name="Laurent Prud'hon" userId="196f0b5afced95ca" providerId="LiveId" clId="{D186AFD6-EC45-4A35-A175-1C5AFD7E065C}" dt="2025-04-21T14:34:38.429" v="819" actId="1038"/>
-          <ac:picMkLst>
-            <pc:docMk/>
-            <pc:sldMk cId="2231185851" sldId="257"/>
-            <ac:picMk id="54" creationId="{FC06A3A1-5415-086A-0128-2E5143C7E631}"/>
-          </ac:picMkLst>
-        </pc:picChg>
-        <pc:picChg chg="add mod">
-          <ac:chgData name="Laurent Prud'hon" userId="196f0b5afced95ca" providerId="LiveId" clId="{D186AFD6-EC45-4A35-A175-1C5AFD7E065C}" dt="2025-04-21T16:11:47.784" v="1391"/>
-          <ac:picMkLst>
-            <pc:docMk/>
-            <pc:sldMk cId="2231185851" sldId="257"/>
-            <ac:picMk id="57" creationId="{0599BC8B-1CCE-30A3-BFCA-270AD1F7E5AC}"/>
-          </ac:picMkLst>
-        </pc:picChg>
-        <pc:picChg chg="mod">
-          <ac:chgData name="Laurent Prud'hon" userId="196f0b5afced95ca" providerId="LiveId" clId="{D186AFD6-EC45-4A35-A175-1C5AFD7E065C}" dt="2025-04-21T14:28:57.261" v="734" actId="1037"/>
-          <ac:picMkLst>
-            <pc:docMk/>
-            <pc:sldMk cId="2231185851" sldId="257"/>
-            <ac:picMk id="1026" creationId="{A1332D44-2B7D-2F7E-EAD3-50E4B2BA8003}"/>
-          </ac:picMkLst>
-        </pc:picChg>
-        <pc:picChg chg="add del">
-          <ac:chgData name="Laurent Prud'hon" userId="196f0b5afced95ca" providerId="LiveId" clId="{D186AFD6-EC45-4A35-A175-1C5AFD7E065C}" dt="2025-04-21T13:53:13.835" v="22" actId="478"/>
-          <ac:picMkLst>
-            <pc:docMk/>
-            <pc:sldMk cId="2231185851" sldId="257"/>
-            <ac:picMk id="1028" creationId="{BB3CEF3D-9D0C-4FD1-555C-BF0B699CF173}"/>
-          </ac:picMkLst>
-        </pc:picChg>
-        <pc:cxnChg chg="del">
-          <ac:chgData name="Laurent Prud'hon" userId="196f0b5afced95ca" providerId="LiveId" clId="{D186AFD6-EC45-4A35-A175-1C5AFD7E065C}" dt="2025-04-21T14:02:43.444" v="123" actId="478"/>
-          <ac:cxnSpMkLst>
-            <pc:docMk/>
-            <pc:sldMk cId="2231185851" sldId="257"/>
-            <ac:cxnSpMk id="22" creationId="{494D3A85-BB12-C06B-3D1D-983393F647C0}"/>
-          </ac:cxnSpMkLst>
-        </pc:cxnChg>
       </pc:sldChg>
-      <pc:sldChg chg="new add del">
-        <pc:chgData name="Laurent Prud'hon" userId="196f0b5afced95ca" providerId="LiveId" clId="{D186AFD6-EC45-4A35-A175-1C5AFD7E065C}" dt="2025-04-21T13:53:13.273" v="18" actId="47"/>
-        <pc:sldMkLst>
-          <pc:docMk/>
-          <pc:sldMk cId="3325044202" sldId="257"/>
-        </pc:sldMkLst>
-      </pc:sldChg>
-      <pc:sldChg chg="addSp delSp modSp new mod">
-        <pc:chgData name="Laurent Prud'hon" userId="196f0b5afced95ca" providerId="LiveId" clId="{D186AFD6-EC45-4A35-A175-1C5AFD7E065C}" dt="2025-04-21T16:36:58.219" v="1716" actId="1038"/>
+      <pc:sldChg chg="addSp delSp modSp mod">
+        <pc:chgData name="Laurent Prud'hon" userId="196f0b5afced95ca" providerId="LiveId" clId="{6C862CB0-5B02-4476-9994-B0DDF126017D}" dt="2026-01-17T23:03:49.531" v="52" actId="1036"/>
         <pc:sldMkLst>
           <pc:docMk/>
           <pc:sldMk cId="620763409" sldId="258"/>
         </pc:sldMkLst>
-        <pc:spChg chg="del">
-          <ac:chgData name="Laurent Prud'hon" userId="196f0b5afced95ca" providerId="LiveId" clId="{D186AFD6-EC45-4A35-A175-1C5AFD7E065C}" dt="2025-04-21T16:07:07.235" v="1352" actId="478"/>
-          <ac:spMkLst>
-            <pc:docMk/>
-            <pc:sldMk cId="620763409" sldId="258"/>
-            <ac:spMk id="2" creationId="{F7FE3D2E-B0FE-0D72-0B42-6B44FB340635}"/>
-          </ac:spMkLst>
-        </pc:spChg>
-        <pc:spChg chg="del">
-          <ac:chgData name="Laurent Prud'hon" userId="196f0b5afced95ca" providerId="LiveId" clId="{D186AFD6-EC45-4A35-A175-1C5AFD7E065C}" dt="2025-04-21T16:07:07.235" v="1352" actId="478"/>
-          <ac:spMkLst>
-            <pc:docMk/>
-            <pc:sldMk cId="620763409" sldId="258"/>
-            <ac:spMk id="3" creationId="{1C461DA6-EF24-110C-B7D1-50E025CA3004}"/>
-          </ac:spMkLst>
-        </pc:spChg>
-        <pc:spChg chg="add mod">
-          <ac:chgData name="Laurent Prud'hon" userId="196f0b5afced95ca" providerId="LiveId" clId="{D186AFD6-EC45-4A35-A175-1C5AFD7E065C}" dt="2025-04-21T16:07:13.443" v="1353"/>
-          <ac:spMkLst>
-            <pc:docMk/>
-            <pc:sldMk cId="620763409" sldId="258"/>
-            <ac:spMk id="4" creationId="{DFE607C5-FB21-5A44-43EA-2B044106E07E}"/>
-          </ac:spMkLst>
-        </pc:spChg>
-        <pc:spChg chg="add mod">
-          <ac:chgData name="Laurent Prud'hon" userId="196f0b5afced95ca" providerId="LiveId" clId="{D186AFD6-EC45-4A35-A175-1C5AFD7E065C}" dt="2025-04-21T16:07:48.921" v="1355" actId="164"/>
-          <ac:spMkLst>
-            <pc:docMk/>
-            <pc:sldMk cId="620763409" sldId="258"/>
-            <ac:spMk id="5" creationId="{0CEF8F22-20DB-3E69-50ED-F4F64562F720}"/>
-          </ac:spMkLst>
-        </pc:spChg>
-        <pc:spChg chg="add mod">
-          <ac:chgData name="Laurent Prud'hon" userId="196f0b5afced95ca" providerId="LiveId" clId="{D186AFD6-EC45-4A35-A175-1C5AFD7E065C}" dt="2025-04-21T16:08:03.278" v="1357" actId="164"/>
-          <ac:spMkLst>
-            <pc:docMk/>
-            <pc:sldMk cId="620763409" sldId="258"/>
-            <ac:spMk id="6" creationId="{DAF342A5-95A0-DF3F-B2E8-EAB526357A2C}"/>
-          </ac:spMkLst>
-        </pc:spChg>
-        <pc:spChg chg="add mod">
-          <ac:chgData name="Laurent Prud'hon" userId="196f0b5afced95ca" providerId="LiveId" clId="{D186AFD6-EC45-4A35-A175-1C5AFD7E065C}" dt="2025-04-21T16:07:55.902" v="1356" actId="164"/>
-          <ac:spMkLst>
-            <pc:docMk/>
-            <pc:sldMk cId="620763409" sldId="258"/>
-            <ac:spMk id="7" creationId="{52A537DD-AE4C-38C5-30C5-A978E1FCB429}"/>
-          </ac:spMkLst>
-        </pc:spChg>
-        <pc:spChg chg="add mod">
-          <ac:chgData name="Laurent Prud'hon" userId="196f0b5afced95ca" providerId="LiveId" clId="{D186AFD6-EC45-4A35-A175-1C5AFD7E065C}" dt="2025-04-21T16:22:53.203" v="1673" actId="1035"/>
-          <ac:spMkLst>
-            <pc:docMk/>
-            <pc:sldMk cId="620763409" sldId="258"/>
-            <ac:spMk id="16" creationId="{3785E328-3B1D-26ED-364E-60C991887855}"/>
-          </ac:spMkLst>
-        </pc:spChg>
-        <pc:spChg chg="add del mod">
-          <ac:chgData name="Laurent Prud'hon" userId="196f0b5afced95ca" providerId="LiveId" clId="{D186AFD6-EC45-4A35-A175-1C5AFD7E065C}" dt="2025-04-21T16:11:01.588" v="1383" actId="478"/>
-          <ac:spMkLst>
-            <pc:docMk/>
-            <pc:sldMk cId="620763409" sldId="258"/>
-            <ac:spMk id="17" creationId="{95C9FEAE-E50B-659D-BA0A-A8660AA9A3E9}"/>
-          </ac:spMkLst>
-        </pc:spChg>
-        <pc:spChg chg="add mod">
-          <ac:chgData name="Laurent Prud'hon" userId="196f0b5afced95ca" providerId="LiveId" clId="{D186AFD6-EC45-4A35-A175-1C5AFD7E065C}" dt="2025-04-21T16:22:53.203" v="1673" actId="1035"/>
-          <ac:spMkLst>
-            <pc:docMk/>
-            <pc:sldMk cId="620763409" sldId="258"/>
-            <ac:spMk id="19" creationId="{E8A18450-207E-8D8C-51FB-394206EE727C}"/>
-          </ac:spMkLst>
-        </pc:spChg>
-        <pc:spChg chg="add mod">
-          <ac:chgData name="Laurent Prud'hon" userId="196f0b5afced95ca" providerId="LiveId" clId="{D186AFD6-EC45-4A35-A175-1C5AFD7E065C}" dt="2025-04-21T16:22:53.203" v="1673" actId="1035"/>
-          <ac:spMkLst>
-            <pc:docMk/>
-            <pc:sldMk cId="620763409" sldId="258"/>
-            <ac:spMk id="21" creationId="{ACA12252-FD02-98D4-33C2-5311B433B3B4}"/>
-          </ac:spMkLst>
-        </pc:spChg>
-        <pc:spChg chg="add mod">
-          <ac:chgData name="Laurent Prud'hon" userId="196f0b5afced95ca" providerId="LiveId" clId="{D186AFD6-EC45-4A35-A175-1C5AFD7E065C}" dt="2025-04-21T16:22:53.203" v="1673" actId="1035"/>
-          <ac:spMkLst>
-            <pc:docMk/>
-            <pc:sldMk cId="620763409" sldId="258"/>
-            <ac:spMk id="24" creationId="{3A077D76-7110-3FF2-770C-C31FDBC3B281}"/>
-          </ac:spMkLst>
-        </pc:spChg>
-        <pc:spChg chg="add">
-          <ac:chgData name="Laurent Prud'hon" userId="196f0b5afced95ca" providerId="LiveId" clId="{D186AFD6-EC45-4A35-A175-1C5AFD7E065C}" dt="2025-04-21T16:13:46.495" v="1404"/>
-          <ac:spMkLst>
-            <pc:docMk/>
-            <pc:sldMk cId="620763409" sldId="258"/>
-            <ac:spMk id="25" creationId="{D3835D16-E9BF-CD6D-DC16-5F4C00D78ECE}"/>
-          </ac:spMkLst>
-        </pc:spChg>
-        <pc:spChg chg="add mod ord">
-          <ac:chgData name="Laurent Prud'hon" userId="196f0b5afced95ca" providerId="LiveId" clId="{D186AFD6-EC45-4A35-A175-1C5AFD7E065C}" dt="2025-04-21T16:26:29.618" v="1689" actId="404"/>
-          <ac:spMkLst>
-            <pc:docMk/>
-            <pc:sldMk cId="620763409" sldId="258"/>
-            <ac:spMk id="28" creationId="{810C9852-7E7F-320B-83C6-34E8EDB6D44F}"/>
-          </ac:spMkLst>
-        </pc:spChg>
-        <pc:spChg chg="add mod ord">
-          <ac:chgData name="Laurent Prud'hon" userId="196f0b5afced95ca" providerId="LiveId" clId="{D186AFD6-EC45-4A35-A175-1C5AFD7E065C}" dt="2025-04-21T16:26:25.128" v="1688" actId="404"/>
-          <ac:spMkLst>
-            <pc:docMk/>
-            <pc:sldMk cId="620763409" sldId="258"/>
-            <ac:spMk id="29" creationId="{15C58240-9D69-5DDC-6821-79AC9CAF4AAE}"/>
-          </ac:spMkLst>
-        </pc:spChg>
-        <pc:spChg chg="add mod ord">
-          <ac:chgData name="Laurent Prud'hon" userId="196f0b5afced95ca" providerId="LiveId" clId="{D186AFD6-EC45-4A35-A175-1C5AFD7E065C}" dt="2025-04-21T16:32:34.823" v="1707" actId="20577"/>
+        <pc:spChg chg="mod">
+          <ac:chgData name="Laurent Prud'hon" userId="196f0b5afced95ca" providerId="LiveId" clId="{6C862CB0-5B02-4476-9994-B0DDF126017D}" dt="2026-01-17T23:01:20.650" v="24" actId="20577"/>
           <ac:spMkLst>
             <pc:docMk/>
             <pc:sldMk cId="620763409" sldId="258"/>
             <ac:spMk id="30" creationId="{B2C3591F-2CA0-2114-C133-152FA6D5866B}"/>
           </ac:spMkLst>
         </pc:spChg>
-        <pc:grpChg chg="add mod">
-          <ac:chgData name="Laurent Prud'hon" userId="196f0b5afced95ca" providerId="LiveId" clId="{D186AFD6-EC45-4A35-A175-1C5AFD7E065C}" dt="2025-04-21T16:18:50.783" v="1517" actId="1035"/>
-          <ac:grpSpMkLst>
-            <pc:docMk/>
-            <pc:sldMk cId="620763409" sldId="258"/>
-            <ac:grpSpMk id="11" creationId="{44139CD3-130A-00B1-5847-B3E29A7872F7}"/>
-          </ac:grpSpMkLst>
-        </pc:grpChg>
-        <pc:grpChg chg="add mod">
-          <ac:chgData name="Laurent Prud'hon" userId="196f0b5afced95ca" providerId="LiveId" clId="{D186AFD6-EC45-4A35-A175-1C5AFD7E065C}" dt="2025-04-21T16:08:40.435" v="1366" actId="1076"/>
-          <ac:grpSpMkLst>
-            <pc:docMk/>
-            <pc:sldMk cId="620763409" sldId="258"/>
-            <ac:grpSpMk id="12" creationId="{098C260F-4F3E-BB7E-9DC4-7A8A0B212D59}"/>
-          </ac:grpSpMkLst>
-        </pc:grpChg>
-        <pc:grpChg chg="add mod">
-          <ac:chgData name="Laurent Prud'hon" userId="196f0b5afced95ca" providerId="LiveId" clId="{D186AFD6-EC45-4A35-A175-1C5AFD7E065C}" dt="2025-04-21T16:19:43.214" v="1542" actId="1037"/>
-          <ac:grpSpMkLst>
-            <pc:docMk/>
-            <pc:sldMk cId="620763409" sldId="258"/>
-            <ac:grpSpMk id="13" creationId="{2A6455F1-1786-CABC-A925-01E64E7CD888}"/>
-          </ac:grpSpMkLst>
-        </pc:grpChg>
         <pc:picChg chg="add mod">
-          <ac:chgData name="Laurent Prud'hon" userId="196f0b5afced95ca" providerId="LiveId" clId="{D186AFD6-EC45-4A35-A175-1C5AFD7E065C}" dt="2025-04-21T16:07:55.902" v="1356" actId="164"/>
+          <ac:chgData name="Laurent Prud'hon" userId="196f0b5afced95ca" providerId="LiveId" clId="{6C862CB0-5B02-4476-9994-B0DDF126017D}" dt="2026-01-17T23:03:49.531" v="52" actId="1036"/>
           <ac:picMkLst>
             <pc:docMk/>
             <pc:sldMk cId="620763409" sldId="258"/>
-            <ac:picMk id="8" creationId="{E88C12C1-8F40-E762-EBEA-751F1ADBF8D7}"/>
+            <ac:picMk id="3" creationId="{E3EC9C4F-134E-EF46-D659-70FA44EDAD46}"/>
           </ac:picMkLst>
         </pc:picChg>
         <pc:picChg chg="add mod">
-          <ac:chgData name="Laurent Prud'hon" userId="196f0b5afced95ca" providerId="LiveId" clId="{D186AFD6-EC45-4A35-A175-1C5AFD7E065C}" dt="2025-04-21T16:08:03.278" v="1357" actId="164"/>
+          <ac:chgData name="Laurent Prud'hon" userId="196f0b5afced95ca" providerId="LiveId" clId="{6C862CB0-5B02-4476-9994-B0DDF126017D}" dt="2026-01-17T23:03:44.188" v="49" actId="1036"/>
           <ac:picMkLst>
             <pc:docMk/>
             <pc:sldMk cId="620763409" sldId="258"/>
-            <ac:picMk id="9" creationId="{FED2B879-9EFE-5E42-36EB-D449373C4AA9}"/>
+            <ac:picMk id="17" creationId="{A53C93E8-ADBD-2C54-A013-B5118E536A49}"/>
           </ac:picMkLst>
         </pc:picChg>
-        <pc:picChg chg="add mod">
-          <ac:chgData name="Laurent Prud'hon" userId="196f0b5afced95ca" providerId="LiveId" clId="{D186AFD6-EC45-4A35-A175-1C5AFD7E065C}" dt="2025-04-21T16:07:48.921" v="1355" actId="164"/>
-          <ac:picMkLst>
-            <pc:docMk/>
-            <pc:sldMk cId="620763409" sldId="258"/>
-            <ac:picMk id="10" creationId="{5E98EB47-8A53-1898-6AC8-92EB4BF46993}"/>
-          </ac:picMkLst>
-        </pc:picChg>
-        <pc:picChg chg="add mod">
-          <ac:chgData name="Laurent Prud'hon" userId="196f0b5afced95ca" providerId="LiveId" clId="{D186AFD6-EC45-4A35-A175-1C5AFD7E065C}" dt="2025-04-21T16:22:53.203" v="1673" actId="1035"/>
-          <ac:picMkLst>
-            <pc:docMk/>
-            <pc:sldMk cId="620763409" sldId="258"/>
-            <ac:picMk id="15" creationId="{D95E7F6B-577D-38D9-E5BD-82B14E0A7099}"/>
-          </ac:picMkLst>
-        </pc:picChg>
-        <pc:picChg chg="add del mod">
-          <ac:chgData name="Laurent Prud'hon" userId="196f0b5afced95ca" providerId="LiveId" clId="{D186AFD6-EC45-4A35-A175-1C5AFD7E065C}" dt="2025-04-21T16:11:20.817" v="1387" actId="478"/>
-          <ac:picMkLst>
-            <pc:docMk/>
-            <pc:sldMk cId="620763409" sldId="258"/>
-            <ac:picMk id="18" creationId="{428F8BA6-C92C-EF9C-8C0C-0515C739ECA0}"/>
-          </ac:picMkLst>
-        </pc:picChg>
-        <pc:picChg chg="add mod">
-          <ac:chgData name="Laurent Prud'hon" userId="196f0b5afced95ca" providerId="LiveId" clId="{D186AFD6-EC45-4A35-A175-1C5AFD7E065C}" dt="2025-04-21T16:22:53.203" v="1673" actId="1035"/>
-          <ac:picMkLst>
-            <pc:docMk/>
-            <pc:sldMk cId="620763409" sldId="258"/>
-            <ac:picMk id="20" creationId="{7C58AA4F-F259-583B-8FF4-BBAF39C73672}"/>
-          </ac:picMkLst>
-        </pc:picChg>
-        <pc:picChg chg="add mod">
-          <ac:chgData name="Laurent Prud'hon" userId="196f0b5afced95ca" providerId="LiveId" clId="{D186AFD6-EC45-4A35-A175-1C5AFD7E065C}" dt="2025-04-21T16:21:18.551" v="1556" actId="1036"/>
+        <pc:picChg chg="del">
+          <ac:chgData name="Laurent Prud'hon" userId="196f0b5afced95ca" providerId="LiveId" clId="{6C862CB0-5B02-4476-9994-B0DDF126017D}" dt="2026-01-17T23:01:27.308" v="25" actId="478"/>
           <ac:picMkLst>
             <pc:docMk/>
             <pc:sldMk cId="620763409" sldId="258"/>
             <ac:picMk id="23" creationId="{A9877002-5AA7-01AA-83B1-0C218734B76C}"/>
           </ac:picMkLst>
         </pc:picChg>
-        <pc:picChg chg="add mod">
-          <ac:chgData name="Laurent Prud'hon" userId="196f0b5afced95ca" providerId="LiveId" clId="{D186AFD6-EC45-4A35-A175-1C5AFD7E065C}" dt="2025-04-21T16:22:53.203" v="1673" actId="1035"/>
+        <pc:picChg chg="del">
+          <ac:chgData name="Laurent Prud'hon" userId="196f0b5afced95ca" providerId="LiveId" clId="{6C862CB0-5B02-4476-9994-B0DDF126017D}" dt="2026-01-17T23:01:04.517" v="0" actId="478"/>
           <ac:picMkLst>
             <pc:docMk/>
             <pc:sldMk cId="620763409" sldId="258"/>
             <ac:picMk id="27" creationId="{17530678-7ED4-6982-2E3C-F77B76BF4E8B}"/>
-          </ac:picMkLst>
-        </pc:picChg>
-        <pc:picChg chg="add mod">
-          <ac:chgData name="Laurent Prud'hon" userId="196f0b5afced95ca" providerId="LiveId" clId="{D186AFD6-EC45-4A35-A175-1C5AFD7E065C}" dt="2025-04-21T16:26:37.812" v="1694" actId="1035"/>
-          <ac:picMkLst>
-            <pc:docMk/>
-            <pc:sldMk cId="620763409" sldId="258"/>
-            <ac:picMk id="32" creationId="{46E7E616-4F2D-F456-0D58-3A0B9D581A9F}"/>
-          </ac:picMkLst>
-        </pc:picChg>
-        <pc:picChg chg="add mod">
-          <ac:chgData name="Laurent Prud'hon" userId="196f0b5afced95ca" providerId="LiveId" clId="{D186AFD6-EC45-4A35-A175-1C5AFD7E065C}" dt="2025-04-21T16:32:16.048" v="1699" actId="1076"/>
-          <ac:picMkLst>
-            <pc:docMk/>
-            <pc:sldMk cId="620763409" sldId="258"/>
-            <ac:picMk id="34" creationId="{F2DF9DAD-48C1-D76D-C410-C2EFEC9FF724}"/>
-          </ac:picMkLst>
-        </pc:picChg>
-        <pc:picChg chg="add mod">
-          <ac:chgData name="Laurent Prud'hon" userId="196f0b5afced95ca" providerId="LiveId" clId="{D186AFD6-EC45-4A35-A175-1C5AFD7E065C}" dt="2025-04-21T16:36:58.219" v="1716" actId="1038"/>
-          <ac:picMkLst>
-            <pc:docMk/>
-            <pc:sldMk cId="620763409" sldId="258"/>
-            <ac:picMk id="36" creationId="{1E5BB9BC-05B6-ED7E-4F46-9956A3E989F5}"/>
           </ac:picMkLst>
         </pc:picChg>
       </pc:sldChg>
@@ -913,7 +291,7 @@
           <a:p>
             <a:fld id="{5D1AF5DF-F9CE-48E9-9B08-50E65CE8DFD8}" type="datetimeFigureOut">
               <a:rPr lang="fr-FR" smtClean="0"/>
-              <a:t>10/12/2025</a:t>
+              <a:t>18/01/2026</a:t>
             </a:fld>
             <a:endParaRPr lang="fr-FR"/>
           </a:p>
@@ -1327,7 +705,7 @@
           <a:p>
             <a:fld id="{4290C79D-B00B-41B5-A9A4-6F9BDD351292}" type="datetimeFigureOut">
               <a:rPr lang="fr-FR" smtClean="0"/>
-              <a:t>10/12/2025</a:t>
+              <a:t>18/01/2026</a:t>
             </a:fld>
             <a:endParaRPr lang="fr-FR"/>
           </a:p>
@@ -1525,7 +903,7 @@
           <a:p>
             <a:fld id="{4290C79D-B00B-41B5-A9A4-6F9BDD351292}" type="datetimeFigureOut">
               <a:rPr lang="fr-FR" smtClean="0"/>
-              <a:t>10/12/2025</a:t>
+              <a:t>18/01/2026</a:t>
             </a:fld>
             <a:endParaRPr lang="fr-FR"/>
           </a:p>
@@ -1733,7 +1111,7 @@
           <a:p>
             <a:fld id="{4290C79D-B00B-41B5-A9A4-6F9BDD351292}" type="datetimeFigureOut">
               <a:rPr lang="fr-FR" smtClean="0"/>
-              <a:t>10/12/2025</a:t>
+              <a:t>18/01/2026</a:t>
             </a:fld>
             <a:endParaRPr lang="fr-FR"/>
           </a:p>
@@ -1931,7 +1309,7 @@
           <a:p>
             <a:fld id="{4290C79D-B00B-41B5-A9A4-6F9BDD351292}" type="datetimeFigureOut">
               <a:rPr lang="fr-FR" smtClean="0"/>
-              <a:t>10/12/2025</a:t>
+              <a:t>18/01/2026</a:t>
             </a:fld>
             <a:endParaRPr lang="fr-FR"/>
           </a:p>
@@ -2206,7 +1584,7 @@
           <a:p>
             <a:fld id="{4290C79D-B00B-41B5-A9A4-6F9BDD351292}" type="datetimeFigureOut">
               <a:rPr lang="fr-FR" smtClean="0"/>
-              <a:t>10/12/2025</a:t>
+              <a:t>18/01/2026</a:t>
             </a:fld>
             <a:endParaRPr lang="fr-FR"/>
           </a:p>
@@ -2471,7 +1849,7 @@
           <a:p>
             <a:fld id="{4290C79D-B00B-41B5-A9A4-6F9BDD351292}" type="datetimeFigureOut">
               <a:rPr lang="fr-FR" smtClean="0"/>
-              <a:t>10/12/2025</a:t>
+              <a:t>18/01/2026</a:t>
             </a:fld>
             <a:endParaRPr lang="fr-FR"/>
           </a:p>
@@ -2883,7 +2261,7 @@
           <a:p>
             <a:fld id="{4290C79D-B00B-41B5-A9A4-6F9BDD351292}" type="datetimeFigureOut">
               <a:rPr lang="fr-FR" smtClean="0"/>
-              <a:t>10/12/2025</a:t>
+              <a:t>18/01/2026</a:t>
             </a:fld>
             <a:endParaRPr lang="fr-FR"/>
           </a:p>
@@ -3024,7 +2402,7 @@
           <a:p>
             <a:fld id="{4290C79D-B00B-41B5-A9A4-6F9BDD351292}" type="datetimeFigureOut">
               <a:rPr lang="fr-FR" smtClean="0"/>
-              <a:t>10/12/2025</a:t>
+              <a:t>18/01/2026</a:t>
             </a:fld>
             <a:endParaRPr lang="fr-FR"/>
           </a:p>
@@ -3137,7 +2515,7 @@
           <a:p>
             <a:fld id="{4290C79D-B00B-41B5-A9A4-6F9BDD351292}" type="datetimeFigureOut">
               <a:rPr lang="fr-FR" smtClean="0"/>
-              <a:t>10/12/2025</a:t>
+              <a:t>18/01/2026</a:t>
             </a:fld>
             <a:endParaRPr lang="fr-FR"/>
           </a:p>
@@ -3448,7 +2826,7 @@
           <a:p>
             <a:fld id="{4290C79D-B00B-41B5-A9A4-6F9BDD351292}" type="datetimeFigureOut">
               <a:rPr lang="fr-FR" smtClean="0"/>
-              <a:t>10/12/2025</a:t>
+              <a:t>18/01/2026</a:t>
             </a:fld>
             <a:endParaRPr lang="fr-FR"/>
           </a:p>
@@ -3736,7 +3114,7 @@
           <a:p>
             <a:fld id="{4290C79D-B00B-41B5-A9A4-6F9BDD351292}" type="datetimeFigureOut">
               <a:rPr lang="fr-FR" smtClean="0"/>
-              <a:t>10/12/2025</a:t>
+              <a:t>18/01/2026</a:t>
             </a:fld>
             <a:endParaRPr lang="fr-FR"/>
           </a:p>
@@ -3977,7 +3355,7 @@
           <a:p>
             <a:fld id="{4290C79D-B00B-41B5-A9A4-6F9BDD351292}" type="datetimeFigureOut">
               <a:rPr lang="fr-FR" smtClean="0"/>
-              <a:t>10/12/2025</a:t>
+              <a:t>18/01/2026</a:t>
             </a:fld>
             <a:endParaRPr lang="fr-FR"/>
           </a:p>
@@ -6035,15 +5413,7 @@
             </a:r>
             <a:r>
               <a:rPr lang="fr-FR" b="1" dirty="0"/>
-              <a:t> </a:t>
-            </a:r>
-            <a:r>
-              <a:rPr lang="fr-FR" b="1" dirty="0" err="1"/>
-              <a:t>with</a:t>
-            </a:r>
-            <a:r>
-              <a:rPr lang="fr-FR" b="1" dirty="0"/>
-              <a:t> AI on </a:t>
+              <a:t> with AI on </a:t>
             </a:r>
             <a:r>
               <a:rPr lang="fr-FR" b="1" dirty="0" err="1"/>
@@ -6150,20 +5520,12 @@
           <a:p>
             <a:pPr algn="ctr"/>
             <a:r>
-              <a:rPr lang="fr-FR" sz="1600" dirty="0" err="1">
-                <a:solidFill>
-                  <a:schemeClr val="tx1"/>
-                </a:solidFill>
-              </a:rPr>
-              <a:t>with</a:t>
-            </a:r>
-            <a:r>
               <a:rPr lang="fr-FR" sz="1600" dirty="0">
                 <a:solidFill>
                   <a:schemeClr val="tx1"/>
                 </a:solidFill>
               </a:rPr>
-              <a:t> Continue and Cline AI assistants</a:t>
+              <a:t>with Cline and Kilo Code AI assistants</a:t>
             </a:r>
             <a:endParaRPr lang="fr-FR" sz="1100" dirty="0">
               <a:solidFill>
@@ -6233,36 +5595,12 @@
           <a:p>
             <a:pPr algn="ctr"/>
             <a:r>
-              <a:rPr lang="fr-FR" sz="1600" dirty="0" err="1">
-                <a:solidFill>
-                  <a:schemeClr val="tx1"/>
-                </a:solidFill>
-              </a:rPr>
-              <a:t>with</a:t>
-            </a:r>
-            <a:r>
               <a:rPr lang="fr-FR" sz="1600" dirty="0">
                 <a:solidFill>
                   <a:schemeClr val="tx1"/>
                 </a:solidFill>
               </a:rPr>
-              <a:t> </a:t>
-            </a:r>
-            <a:r>
-              <a:rPr lang="fr-FR" sz="1600" dirty="0" err="1">
-                <a:solidFill>
-                  <a:schemeClr val="tx1"/>
-                </a:solidFill>
-              </a:rPr>
-              <a:t>Jupyter</a:t>
-            </a:r>
-            <a:r>
-              <a:rPr lang="fr-FR" sz="1600" dirty="0">
-                <a:solidFill>
-                  <a:schemeClr val="tx1"/>
-                </a:solidFill>
-              </a:rPr>
-              <a:t> AI assistant</a:t>
+              <a:t>with Jupyter AI assistant</a:t>
             </a:r>
             <a:endParaRPr lang="fr-FR" sz="1100" dirty="0">
               <a:solidFill>
@@ -6332,36 +5670,12 @@
           <a:p>
             <a:pPr algn="ctr"/>
             <a:r>
-              <a:rPr lang="fr-FR" sz="1600" dirty="0" err="1">
-                <a:solidFill>
-                  <a:schemeClr val="tx1"/>
-                </a:solidFill>
-              </a:rPr>
-              <a:t>with</a:t>
-            </a:r>
-            <a:r>
               <a:rPr lang="fr-FR" sz="1600" dirty="0">
                 <a:solidFill>
                   <a:schemeClr val="tx1"/>
                 </a:solidFill>
               </a:rPr>
-              <a:t> </a:t>
-            </a:r>
-            <a:r>
-              <a:rPr lang="fr-FR" sz="1600" dirty="0" err="1">
-                <a:solidFill>
-                  <a:schemeClr val="tx1"/>
-                </a:solidFill>
-              </a:rPr>
-              <a:t>text</a:t>
-            </a:r>
-            <a:r>
-              <a:rPr lang="fr-FR" sz="1600" dirty="0">
-                <a:solidFill>
-                  <a:schemeClr val="tx1"/>
-                </a:solidFill>
-              </a:rPr>
-              <a:t>, images and documents</a:t>
+              <a:t>with text, images and documents</a:t>
             </a:r>
             <a:endParaRPr lang="fr-FR" sz="1100" dirty="0">
               <a:solidFill>
@@ -6446,15 +5760,7 @@
             </a:r>
             <a:r>
               <a:rPr lang="fr-FR" b="1" dirty="0"/>
-              <a:t> </a:t>
-            </a:r>
-            <a:r>
-              <a:rPr lang="fr-FR" b="1" dirty="0" err="1"/>
-              <a:t>with</a:t>
-            </a:r>
-            <a:r>
-              <a:rPr lang="fr-FR" b="1" dirty="0"/>
-              <a:t> AI on </a:t>
+              <a:t> with AI on </a:t>
             </a:r>
             <a:r>
               <a:rPr lang="fr-FR" b="1" dirty="0" err="1"/>
@@ -7043,12 +6349,48 @@
           </a:p>
         </p:txBody>
       </p:sp>
+      <p:sp>
+        <p:nvSpPr>
+          <p:cNvPr id="24" name="ZoneTexte 23">
+            <a:extLst>
+              <a:ext uri="{FF2B5EF4-FFF2-40B4-BE49-F238E27FC236}">
+                <a16:creationId xmlns:a16="http://schemas.microsoft.com/office/drawing/2014/main" id="{3A077D76-7110-3FF2-770C-C31FDBC3B281}"/>
+              </a:ext>
+            </a:extLst>
+          </p:cNvPr>
+          <p:cNvSpPr txBox="1"/>
+          <p:nvPr/>
+        </p:nvSpPr>
+        <p:spPr>
+          <a:xfrm>
+            <a:off x="9651171" y="1892804"/>
+            <a:ext cx="458780" cy="707886"/>
+          </a:xfrm>
+          <a:prstGeom prst="rect">
+            <a:avLst/>
+          </a:prstGeom>
+          <a:noFill/>
+        </p:spPr>
+        <p:txBody>
+          <a:bodyPr wrap="none" rtlCol="0">
+            <a:spAutoFit/>
+          </a:bodyPr>
+          <a:lstStyle/>
+          <a:p>
+            <a:r>
+              <a:rPr lang="fr-FR" sz="4000" b="1" dirty="0"/>
+              <a:t>+</a:t>
+            </a:r>
+            <a:endParaRPr lang="fr-FR" b="1" dirty="0"/>
+          </a:p>
+        </p:txBody>
+      </p:sp>
       <p:pic>
         <p:nvPicPr>
-          <p:cNvPr id="23" name="Image 22">
-            <a:extLst>
-              <a:ext uri="{FF2B5EF4-FFF2-40B4-BE49-F238E27FC236}">
-                <a16:creationId xmlns:a16="http://schemas.microsoft.com/office/drawing/2014/main" id="{A9877002-5AA7-01AA-83B1-0C218734B76C}"/>
+          <p:cNvPr id="32" name="Image 31">
+            <a:extLst>
+              <a:ext uri="{FF2B5EF4-FFF2-40B4-BE49-F238E27FC236}">
+                <a16:creationId xmlns:a16="http://schemas.microsoft.com/office/drawing/2014/main" id="{46E7E616-4F2D-F456-0D58-3A0B9D581A9F}"/>
               </a:ext>
             </a:extLst>
           </p:cNvPr>
@@ -7065,56 +6407,20 @@
         </p:blipFill>
         <p:spPr>
           <a:xfrm>
-            <a:off x="10098408" y="1354039"/>
-            <a:ext cx="1616368" cy="531508"/>
+            <a:off x="483861" y="2785354"/>
+            <a:ext cx="3497292" cy="3059776"/>
           </a:xfrm>
           <a:prstGeom prst="rect">
             <a:avLst/>
           </a:prstGeom>
         </p:spPr>
       </p:pic>
-      <p:sp>
-        <p:nvSpPr>
-          <p:cNvPr id="24" name="ZoneTexte 23">
-            <a:extLst>
-              <a:ext uri="{FF2B5EF4-FFF2-40B4-BE49-F238E27FC236}">
-                <a16:creationId xmlns:a16="http://schemas.microsoft.com/office/drawing/2014/main" id="{3A077D76-7110-3FF2-770C-C31FDBC3B281}"/>
-              </a:ext>
-            </a:extLst>
-          </p:cNvPr>
-          <p:cNvSpPr txBox="1"/>
-          <p:nvPr/>
-        </p:nvSpPr>
-        <p:spPr>
-          <a:xfrm>
-            <a:off x="9651171" y="1892804"/>
-            <a:ext cx="458780" cy="707886"/>
-          </a:xfrm>
-          <a:prstGeom prst="rect">
-            <a:avLst/>
-          </a:prstGeom>
-          <a:noFill/>
-        </p:spPr>
-        <p:txBody>
-          <a:bodyPr wrap="none" rtlCol="0">
-            <a:spAutoFit/>
-          </a:bodyPr>
-          <a:lstStyle/>
-          <a:p>
-            <a:r>
-              <a:rPr lang="fr-FR" sz="4000" b="1" dirty="0"/>
-              <a:t>+</a:t>
-            </a:r>
-            <a:endParaRPr lang="fr-FR" b="1" dirty="0"/>
-          </a:p>
-        </p:txBody>
-      </p:sp>
       <p:pic>
         <p:nvPicPr>
-          <p:cNvPr id="32" name="Image 31">
-            <a:extLst>
-              <a:ext uri="{FF2B5EF4-FFF2-40B4-BE49-F238E27FC236}">
-                <a16:creationId xmlns:a16="http://schemas.microsoft.com/office/drawing/2014/main" id="{46E7E616-4F2D-F456-0D58-3A0B9D581A9F}"/>
+          <p:cNvPr id="34" name="Image 33">
+            <a:extLst>
+              <a:ext uri="{FF2B5EF4-FFF2-40B4-BE49-F238E27FC236}">
+                <a16:creationId xmlns:a16="http://schemas.microsoft.com/office/drawing/2014/main" id="{F2DF9DAD-48C1-D76D-C410-C2EFEC9FF724}"/>
               </a:ext>
             </a:extLst>
           </p:cNvPr>
@@ -7131,8 +6437,8 @@
         </p:blipFill>
         <p:spPr>
           <a:xfrm>
-            <a:off x="483861" y="2785354"/>
-            <a:ext cx="3497292" cy="3059776"/>
+            <a:off x="4348808" y="2782155"/>
+            <a:ext cx="3498549" cy="3062975"/>
           </a:xfrm>
           <a:prstGeom prst="rect">
             <a:avLst/>
@@ -7141,10 +6447,10 @@
       </p:pic>
       <p:pic>
         <p:nvPicPr>
-          <p:cNvPr id="34" name="Image 33">
-            <a:extLst>
-              <a:ext uri="{FF2B5EF4-FFF2-40B4-BE49-F238E27FC236}">
-                <a16:creationId xmlns:a16="http://schemas.microsoft.com/office/drawing/2014/main" id="{F2DF9DAD-48C1-D76D-C410-C2EFEC9FF724}"/>
+          <p:cNvPr id="36" name="Image 35">
+            <a:extLst>
+              <a:ext uri="{FF2B5EF4-FFF2-40B4-BE49-F238E27FC236}">
+                <a16:creationId xmlns:a16="http://schemas.microsoft.com/office/drawing/2014/main" id="{1E5BB9BC-05B6-ED7E-4F46-9956A3E989F5}"/>
               </a:ext>
             </a:extLst>
           </p:cNvPr>
@@ -7161,8 +6467,8 @@
         </p:blipFill>
         <p:spPr>
           <a:xfrm>
-            <a:off x="4348808" y="2782155"/>
-            <a:ext cx="3498549" cy="3062975"/>
+            <a:off x="8202048" y="2789258"/>
+            <a:ext cx="3473721" cy="3055871"/>
           </a:xfrm>
           <a:prstGeom prst="rect">
             <a:avLst/>
@@ -7171,10 +6477,10 @@
       </p:pic>
       <p:pic>
         <p:nvPicPr>
-          <p:cNvPr id="36" name="Image 35">
-            <a:extLst>
-              <a:ext uri="{FF2B5EF4-FFF2-40B4-BE49-F238E27FC236}">
-                <a16:creationId xmlns:a16="http://schemas.microsoft.com/office/drawing/2014/main" id="{1E5BB9BC-05B6-ED7E-4F46-9956A3E989F5}"/>
+          <p:cNvPr id="3" name="Image 2" descr="Une image contenant Police, logo, Graphique, symbole&#10;&#10;Le contenu généré par l’IA peut être incorrect.">
+            <a:extLst>
+              <a:ext uri="{FF2B5EF4-FFF2-40B4-BE49-F238E27FC236}">
+                <a16:creationId xmlns:a16="http://schemas.microsoft.com/office/drawing/2014/main" id="{E3EC9C4F-134E-EF46-D659-70FA44EDAD46}"/>
               </a:ext>
             </a:extLst>
           </p:cNvPr>
@@ -7191,8 +6497,8 @@
         </p:blipFill>
         <p:spPr>
           <a:xfrm>
-            <a:off x="8202048" y="2789258"/>
-            <a:ext cx="3473721" cy="3055871"/>
+            <a:off x="10109951" y="1399786"/>
+            <a:ext cx="1419137" cy="452350"/>
           </a:xfrm>
           <a:prstGeom prst="rect">
             <a:avLst/>
@@ -7201,10 +6507,10 @@
       </p:pic>
       <p:pic>
         <p:nvPicPr>
-          <p:cNvPr id="3" name="Image 2" descr="Une image contenant logo, Police, Graphique, blanc&#10;&#10;Le contenu généré par l’IA peut être incorrect.">
-            <a:extLst>
-              <a:ext uri="{FF2B5EF4-FFF2-40B4-BE49-F238E27FC236}">
-                <a16:creationId xmlns:a16="http://schemas.microsoft.com/office/drawing/2014/main" id="{D8D59F01-F16D-C034-163F-95C41BB1CC97}"/>
+          <p:cNvPr id="17" name="Image 16" descr="Une image contenant Police, texte, blanc, Graphique&#10;&#10;Le contenu généré par l’IA peut être incorrect.">
+            <a:extLst>
+              <a:ext uri="{FF2B5EF4-FFF2-40B4-BE49-F238E27FC236}">
+                <a16:creationId xmlns:a16="http://schemas.microsoft.com/office/drawing/2014/main" id="{A53C93E8-ADBD-2C54-A013-B5118E536A49}"/>
               </a:ext>
             </a:extLst>
           </p:cNvPr>
@@ -7221,8 +6527,8 @@
         </p:blipFill>
         <p:spPr>
           <a:xfrm>
-            <a:off x="10098406" y="1949905"/>
-            <a:ext cx="1269641" cy="542939"/>
+            <a:off x="10109951" y="2007930"/>
+            <a:ext cx="1409245" cy="452350"/>
           </a:xfrm>
           <a:prstGeom prst="rect">
             <a:avLst/>
@@ -8018,7 +7324,7 @@
           <a:p>
             <a:pPr algn="ctr"/>
             <a:r>
-              <a:rPr lang="fr-FR" sz="1400" dirty="0" err="1">
+              <a:rPr lang="fr-FR" sz="1400" dirty="0">
                 <a:solidFill>
                   <a:schemeClr val="tx1"/>
                 </a:solidFill>
@@ -8113,7 +7419,7 @@
                   <a:schemeClr val="tx1"/>
                 </a:solidFill>
               </a:rPr>
-              <a:t>12.4</a:t>
+              <a:t>12.9</a:t>
             </a:r>
           </a:p>
         </p:txBody>
@@ -8247,7 +7553,7 @@
                   <a:schemeClr val="tx1"/>
                 </a:solidFill>
               </a:rPr>
-              <a:t>2.4</a:t>
+              <a:t>2.9</a:t>
             </a:r>
           </a:p>
         </p:txBody>
